--- a/DimitarDimovDataAnalystTechAssessmentAnswers.pptx
+++ b/DimitarDimovDataAnalystTechAssessmentAnswers.pptx
@@ -4416,8 +4416,8 @@
         </p:nvSpPr>
         <p:spPr>
           <a:xfrm>
-            <a:off x="9533956" y="1789210"/>
-            <a:ext cx="2658044" cy="461665"/>
+            <a:off x="9533956" y="1116390"/>
+            <a:ext cx="2658044" cy="5632311"/>
           </a:xfrm>
           <a:prstGeom prst="rect">
             <a:avLst/>
@@ -4439,7 +4439,168 @@
                 <a:latin typeface="Calibri" panose="020F0502020204030204" pitchFamily="34" charset="0"/>
                 <a:cs typeface="Calibri" panose="020F0502020204030204" pitchFamily="34" charset="0"/>
               </a:rPr>
-              <a:t>The average number of products</a:t>
+              <a:t>The chart on the left shows data about the Frequency measure of the RFM analysis</a:t>
+            </a:r>
+            <a:br>
+              <a:rPr lang="en-GB" sz="1200" dirty="0">
+                <a:latin typeface="Calibri" panose="020F0502020204030204" pitchFamily="34" charset="0"/>
+                <a:cs typeface="Calibri" panose="020F0502020204030204" pitchFamily="34" charset="0"/>
+              </a:rPr>
+            </a:br>
+            <a:endParaRPr lang="en-GB" sz="1200" dirty="0">
+              <a:latin typeface="Calibri" panose="020F0502020204030204" pitchFamily="34" charset="0"/>
+              <a:cs typeface="Calibri" panose="020F0502020204030204" pitchFamily="34" charset="0"/>
+            </a:endParaRPr>
+          </a:p>
+          <a:p>
+            <a:pPr marL="72000" indent="-144000">
+              <a:buFont typeface="Arial" panose="020B0604020202020204" pitchFamily="34" charset="0"/>
+              <a:buChar char="•"/>
+            </a:pPr>
+            <a:r>
+              <a:rPr lang="en-GB" sz="1200" dirty="0">
+                <a:latin typeface="Calibri" panose="020F0502020204030204" pitchFamily="34" charset="0"/>
+                <a:cs typeface="Calibri" panose="020F0502020204030204" pitchFamily="34" charset="0"/>
+              </a:rPr>
+              <a:t>It shows that the average return rate of all customers is 4 times</a:t>
+            </a:r>
+            <a:br>
+              <a:rPr lang="en-GB" sz="1200" dirty="0">
+                <a:latin typeface="Calibri" panose="020F0502020204030204" pitchFamily="34" charset="0"/>
+                <a:cs typeface="Calibri" panose="020F0502020204030204" pitchFamily="34" charset="0"/>
+              </a:rPr>
+            </a:br>
+            <a:endParaRPr lang="en-GB" sz="1200" dirty="0">
+              <a:latin typeface="Calibri" panose="020F0502020204030204" pitchFamily="34" charset="0"/>
+              <a:cs typeface="Calibri" panose="020F0502020204030204" pitchFamily="34" charset="0"/>
+            </a:endParaRPr>
+          </a:p>
+          <a:p>
+            <a:pPr marL="72000" indent="-144000">
+              <a:buFont typeface="Arial" panose="020B0604020202020204" pitchFamily="34" charset="0"/>
+              <a:buChar char="•"/>
+            </a:pPr>
+            <a:r>
+              <a:rPr lang="en-GB" sz="1200" dirty="0">
+                <a:latin typeface="Calibri" panose="020F0502020204030204" pitchFamily="34" charset="0"/>
+                <a:cs typeface="Calibri" panose="020F0502020204030204" pitchFamily="34" charset="0"/>
+              </a:rPr>
+              <a:t>I have presented the top 30 customers which show significantly higher return rate (Frequency) than the average</a:t>
+            </a:r>
+            <a:br>
+              <a:rPr lang="en-GB" sz="1200" dirty="0">
+                <a:latin typeface="Calibri" panose="020F0502020204030204" pitchFamily="34" charset="0"/>
+                <a:cs typeface="Calibri" panose="020F0502020204030204" pitchFamily="34" charset="0"/>
+              </a:rPr>
+            </a:br>
+            <a:endParaRPr lang="en-GB" sz="1200" dirty="0">
+              <a:latin typeface="Calibri" panose="020F0502020204030204" pitchFamily="34" charset="0"/>
+              <a:cs typeface="Calibri" panose="020F0502020204030204" pitchFamily="34" charset="0"/>
+            </a:endParaRPr>
+          </a:p>
+          <a:p>
+            <a:pPr marL="72000" indent="-144000">
+              <a:buFont typeface="Arial" panose="020B0604020202020204" pitchFamily="34" charset="0"/>
+              <a:buChar char="•"/>
+            </a:pPr>
+            <a:r>
+              <a:rPr lang="en-GB" sz="1200" dirty="0">
+                <a:latin typeface="Calibri" panose="020F0502020204030204" pitchFamily="34" charset="0"/>
+                <a:cs typeface="Calibri" panose="020F0502020204030204" pitchFamily="34" charset="0"/>
+              </a:rPr>
+              <a:t>Customers can be further grouped and categorised by their Frequency count</a:t>
+            </a:r>
+            <a:br>
+              <a:rPr lang="en-GB" sz="1200" dirty="0">
+                <a:latin typeface="Calibri" panose="020F0502020204030204" pitchFamily="34" charset="0"/>
+                <a:cs typeface="Calibri" panose="020F0502020204030204" pitchFamily="34" charset="0"/>
+              </a:rPr>
+            </a:br>
+            <a:endParaRPr lang="en-GB" sz="1200" dirty="0">
+              <a:latin typeface="Calibri" panose="020F0502020204030204" pitchFamily="34" charset="0"/>
+              <a:cs typeface="Calibri" panose="020F0502020204030204" pitchFamily="34" charset="0"/>
+            </a:endParaRPr>
+          </a:p>
+          <a:p>
+            <a:pPr marL="72000" indent="-144000">
+              <a:buFont typeface="Arial" panose="020B0604020202020204" pitchFamily="34" charset="0"/>
+              <a:buChar char="•"/>
+            </a:pPr>
+            <a:r>
+              <a:rPr lang="en-GB" sz="1200" dirty="0">
+                <a:latin typeface="Calibri" panose="020F0502020204030204" pitchFamily="34" charset="0"/>
+                <a:cs typeface="Calibri" panose="020F0502020204030204" pitchFamily="34" charset="0"/>
+              </a:rPr>
+              <a:t> A new marketing strategy may be mapped out to address all customers with Frequency close to the average – how can it be increased?</a:t>
+            </a:r>
+            <a:br>
+              <a:rPr lang="en-GB" sz="1200" dirty="0">
+                <a:latin typeface="Calibri" panose="020F0502020204030204" pitchFamily="34" charset="0"/>
+                <a:cs typeface="Calibri" panose="020F0502020204030204" pitchFamily="34" charset="0"/>
+              </a:rPr>
+            </a:br>
+            <a:endParaRPr lang="en-GB" sz="1200" dirty="0">
+              <a:latin typeface="Calibri" panose="020F0502020204030204" pitchFamily="34" charset="0"/>
+              <a:cs typeface="Calibri" panose="020F0502020204030204" pitchFamily="34" charset="0"/>
+            </a:endParaRPr>
+          </a:p>
+          <a:p>
+            <a:pPr marL="72000" indent="-144000">
+              <a:buFont typeface="Arial" panose="020B0604020202020204" pitchFamily="34" charset="0"/>
+              <a:buChar char="•"/>
+            </a:pPr>
+            <a:r>
+              <a:rPr lang="en-GB" sz="1200" dirty="0">
+                <a:latin typeface="Calibri" panose="020F0502020204030204" pitchFamily="34" charset="0"/>
+                <a:cs typeface="Calibri" panose="020F0502020204030204" pitchFamily="34" charset="0"/>
+              </a:rPr>
+              <a:t>By optimising the shopping experience?</a:t>
+            </a:r>
+            <a:br>
+              <a:rPr lang="en-GB" sz="1200" dirty="0">
+                <a:latin typeface="Calibri" panose="020F0502020204030204" pitchFamily="34" charset="0"/>
+                <a:cs typeface="Calibri" panose="020F0502020204030204" pitchFamily="34" charset="0"/>
+              </a:rPr>
+            </a:br>
+            <a:endParaRPr lang="en-GB" sz="1200" dirty="0">
+              <a:latin typeface="Calibri" panose="020F0502020204030204" pitchFamily="34" charset="0"/>
+              <a:cs typeface="Calibri" panose="020F0502020204030204" pitchFamily="34" charset="0"/>
+            </a:endParaRPr>
+          </a:p>
+          <a:p>
+            <a:pPr marL="72000" indent="-144000">
+              <a:buFont typeface="Arial" panose="020B0604020202020204" pitchFamily="34" charset="0"/>
+              <a:buChar char="•"/>
+            </a:pPr>
+            <a:r>
+              <a:rPr lang="en-GB" sz="1200" dirty="0">
+                <a:latin typeface="Calibri" panose="020F0502020204030204" pitchFamily="34" charset="0"/>
+                <a:cs typeface="Calibri" panose="020F0502020204030204" pitchFamily="34" charset="0"/>
+              </a:rPr>
+              <a:t>By sending follow up emails with discounts?</a:t>
+            </a:r>
+            <a:br>
+              <a:rPr lang="en-GB" sz="1200" dirty="0">
+                <a:latin typeface="Calibri" panose="020F0502020204030204" pitchFamily="34" charset="0"/>
+                <a:cs typeface="Calibri" panose="020F0502020204030204" pitchFamily="34" charset="0"/>
+              </a:rPr>
+            </a:br>
+            <a:endParaRPr lang="en-GB" sz="1200" dirty="0">
+              <a:latin typeface="Calibri" panose="020F0502020204030204" pitchFamily="34" charset="0"/>
+              <a:cs typeface="Calibri" panose="020F0502020204030204" pitchFamily="34" charset="0"/>
+            </a:endParaRPr>
+          </a:p>
+          <a:p>
+            <a:pPr marL="72000" indent="-144000">
+              <a:buFont typeface="Arial" panose="020B0604020202020204" pitchFamily="34" charset="0"/>
+              <a:buChar char="•"/>
+            </a:pPr>
+            <a:r>
+              <a:rPr lang="en-GB" sz="1200" dirty="0">
+                <a:latin typeface="Calibri" panose="020F0502020204030204" pitchFamily="34" charset="0"/>
+                <a:cs typeface="Calibri" panose="020F0502020204030204" pitchFamily="34" charset="0"/>
+              </a:rPr>
+              <a:t>Is there an issue with the payments system?</a:t>
             </a:r>
           </a:p>
           <a:p>
@@ -4721,7 +4882,7 @@
                 <a:ea typeface="Calibri" panose="020F0502020204030204" pitchFamily="34" charset="0"/>
                 <a:cs typeface="Times New Roman" panose="02020603050405020304" pitchFamily="18" charset="0"/>
               </a:rPr>
-              <a:t>Most transactions occur between days 7 and 10 of each month</a:t>
+              <a:t>Most transactions occur between days 4 and 9 of each month</a:t>
             </a:r>
           </a:p>
           <a:p>
@@ -4872,7 +5033,7 @@
                 <a:ea typeface="Calibri" panose="020F0502020204030204" pitchFamily="34" charset="0"/>
                 <a:cs typeface="Times New Roman" panose="02020603050405020304" pitchFamily="18" charset="0"/>
               </a:rPr>
-              <a:t>The remaining 9 from the top 10 customers (ranked by number of products purchased) have purchased an average of 65,257 products</a:t>
+              <a:t>The remaining 9 from the top 10 customers (ranked by number of products purchased) have purchased an average of 65,257 products / per customer</a:t>
             </a:r>
           </a:p>
           <a:p>
@@ -4893,7 +5054,7 @@
                 <a:ea typeface="Calibri" panose="020F0502020204030204" pitchFamily="34" charset="0"/>
                 <a:cs typeface="Times New Roman" panose="02020603050405020304" pitchFamily="18" charset="0"/>
               </a:rPr>
-              <a:t>The average number of products purchased for all 4334 customers is 1,148 so this further highlights the importance of the top 10</a:t>
+              <a:t>The average number of products purchased for all 4334 customers is 1,148 so this further highlights the importance of the top 10%</a:t>
             </a:r>
             <a:endParaRPr lang="en-GB" sz="2400" dirty="0"/>
           </a:p>
@@ -6035,7 +6196,7 @@
                 <a:ea typeface="Calibri" panose="020F0502020204030204" pitchFamily="34" charset="0"/>
                 <a:cs typeface="Times New Roman" panose="02020603050405020304" pitchFamily="18" charset="0"/>
               </a:rPr>
-              <a:t>take when defining the KPIs is always communicate with the wider team of stakeholders, both internally and externally, to understand and define our goals and then design a set of criteria points which can measure the performance of achieving these goals. </a:t>
+              <a:t>take when defining the KPIs is to always communicate with the wider team of stakeholders, both internally and externally, to understand and define our goals and then design a set of criteria points which can measure the performance of achieving these goals. </a:t>
             </a:r>
             <a:endParaRPr lang="en-GB" sz="1600" dirty="0"/>
           </a:p>
@@ -6236,7 +6397,7 @@
         </p:spPr>
         <p:txBody>
           <a:bodyPr>
-            <a:normAutofit fontScale="92500" lnSpcReduction="20000"/>
+            <a:normAutofit fontScale="92500" lnSpcReduction="10000"/>
           </a:bodyPr>
           <a:lstStyle/>
           <a:p>
@@ -6251,24 +6412,12 @@
             </a:pPr>
             <a:r>
               <a:rPr lang="en-GB" sz="1300" dirty="0">
-                <a:effectLst/>
-                <a:latin typeface="Calibri" panose="020F0502020204030204" pitchFamily="34" charset="0"/>
-                <a:ea typeface="Calibri" panose="020F0502020204030204" pitchFamily="34" charset="0"/>
-                <a:cs typeface="Times New Roman" panose="02020603050405020304" pitchFamily="18" charset="0"/>
-              </a:rPr>
-              <a:t>Let’s begin by briefly outlining the definition of linear regression (LR) – this is a predictive analytics tool / technique which uses one or more independent variables to predict the outcome of a dependent variable. Therefore, one can have single variable LR or multivariate LR. </a:t>
-            </a:r>
-          </a:p>
-          <a:p>
-            <a:pPr marL="0" indent="0">
-              <a:lnSpc>
-                <a:spcPct val="107000"/>
-              </a:lnSpc>
-              <a:spcAft>
-                <a:spcPts val="800"/>
-              </a:spcAft>
-              <a:buNone/>
-            </a:pPr>
+                <a:latin typeface="Calibri" panose="020F0502020204030204" pitchFamily="34" charset="0"/>
+                <a:ea typeface="Calibri" panose="020F0502020204030204" pitchFamily="34" charset="0"/>
+                <a:cs typeface="Times New Roman" panose="02020603050405020304" pitchFamily="18" charset="0"/>
+              </a:rPr>
+              <a:t>L</a:t>
+            </a:r>
             <a:r>
               <a:rPr lang="en-GB" sz="1300" dirty="0">
                 <a:effectLst/>
@@ -6276,7 +6425,7 @@
                 <a:ea typeface="Calibri" panose="020F0502020204030204" pitchFamily="34" charset="0"/>
                 <a:cs typeface="Times New Roman" panose="02020603050405020304" pitchFamily="18" charset="0"/>
               </a:rPr>
-              <a:t>The approach I would take when validating a linear regression measure how accurately is the predicted data. First, I will split the original data at 80-20% where 80% will be for training the linear regression model and 20% will be used for testing, where I will apply the LR model and predict real values. The next step will be to calculate the mean squared or mean absolute errors of both the training and testing data and compare the scores. The lower the values, the better the fitting was (</a:t>
+              <a:t>inear regression (LR) is a predictive analytics tool / technique which uses one or more independent variables to predict the outcome of a dependent variable. The approach I would take when validating a linear regression: First, I will split the original data at 80-20% where 80% will be for training the LR model and 20% will be used for testing, where I will apply the LR model and predict real values. The next step will be to calculate the mean squared or mean absolute errors of both the training and testing data and compare the scores. The lower the values, the better the fitting was (</a:t>
             </a:r>
             <a:r>
               <a:rPr lang="en-GB" sz="1300" dirty="0" err="1">
@@ -6461,7 +6610,24 @@
                 <a:ea typeface="Calibri" panose="020F0502020204030204" pitchFamily="34" charset="0"/>
                 <a:cs typeface="Times New Roman" panose="02020603050405020304" pitchFamily="18" charset="0"/>
               </a:rPr>
-              <a:t>concerned with Variance – since the iterative process performs the exact same calculation on all data points, it is inherently prone to outliers. The bigger the outlier, the bigger the error in your MSE score. This is further amplified when one uses RMSE (the root version of MSE) because the calculation squares the difference first and then takes the root of it, hence amplifying the error margin. Conversely, if most of the outliers are removed during the pre-processing stage, then RMSE will yield a result with higher degree of accuracy.  </a:t>
+              <a:t>related to Variance – since the iterative process performs the exact same calculation on all data points, it is inherently prone to outliers. </a:t>
+            </a:r>
+            <a:r>
+              <a:rPr lang="en-GB" sz="1300" dirty="0">
+                <a:latin typeface="Calibri" panose="020F0502020204030204" pitchFamily="34" charset="0"/>
+                <a:ea typeface="Calibri" panose="020F0502020204030204" pitchFamily="34" charset="0"/>
+                <a:cs typeface="Times New Roman" panose="02020603050405020304" pitchFamily="18" charset="0"/>
+              </a:rPr>
+              <a:t>Large outliers will results in larger error </a:t>
+            </a:r>
+            <a:r>
+              <a:rPr lang="en-GB" sz="1300" dirty="0">
+                <a:effectLst/>
+                <a:latin typeface="Calibri" panose="020F0502020204030204" pitchFamily="34" charset="0"/>
+                <a:ea typeface="Calibri" panose="020F0502020204030204" pitchFamily="34" charset="0"/>
+                <a:cs typeface="Times New Roman" panose="02020603050405020304" pitchFamily="18" charset="0"/>
+              </a:rPr>
+              <a:t>in the MSE score. This is further amplified when one uses RMSE (the root version of MSE) because the calculation squares the difference first and then takes the root of it, hence amplifying the error margin. Conversely, if most of the outliers are removed during the pre-processing stage, then RMSE will yield a result with higher degree of accuracy.  </a:t>
             </a:r>
           </a:p>
           <a:p>
@@ -6526,7 +6692,24 @@
                 <a:ea typeface="Calibri" panose="020F0502020204030204" pitchFamily="34" charset="0"/>
                 <a:cs typeface="Times New Roman" panose="02020603050405020304" pitchFamily="18" charset="0"/>
               </a:rPr>
-              <a:t> are that since the differences between actual and forecast are weighted equally in the final average, big outliers will have bad impact on the final score.</a:t>
+              <a:t> are that since the differences between actual and forecast are weighted equally in the final average, big outliers will have </a:t>
+            </a:r>
+            <a:r>
+              <a:rPr lang="en-GB" sz="1300" dirty="0">
+                <a:latin typeface="Calibri" panose="020F0502020204030204" pitchFamily="34" charset="0"/>
+                <a:ea typeface="Calibri" panose="020F0502020204030204" pitchFamily="34" charset="0"/>
+                <a:cs typeface="Times New Roman" panose="02020603050405020304" pitchFamily="18" charset="0"/>
+              </a:rPr>
+              <a:t>negative</a:t>
+            </a:r>
+            <a:r>
+              <a:rPr lang="en-GB" sz="1300" dirty="0">
+                <a:effectLst/>
+                <a:latin typeface="Calibri" panose="020F0502020204030204" pitchFamily="34" charset="0"/>
+                <a:ea typeface="Calibri" panose="020F0502020204030204" pitchFamily="34" charset="0"/>
+                <a:cs typeface="Times New Roman" panose="02020603050405020304" pitchFamily="18" charset="0"/>
+              </a:rPr>
+              <a:t> impact on the final score.</a:t>
             </a:r>
           </a:p>
         </p:txBody>
@@ -6726,7 +6909,7 @@
         </p:spPr>
         <p:txBody>
           <a:bodyPr>
-            <a:normAutofit fontScale="92500" lnSpcReduction="10000"/>
+            <a:normAutofit lnSpcReduction="10000"/>
           </a:bodyPr>
           <a:lstStyle/>
           <a:p>
@@ -6746,28 +6929,54 @@
                 <a:ea typeface="Calibri" panose="020F0502020204030204" pitchFamily="34" charset="0"/>
                 <a:cs typeface="Times New Roman" panose="02020603050405020304" pitchFamily="18" charset="0"/>
               </a:rPr>
-              <a:t>Linear regression (LR) is a statistical model which assesses the relationship between two variables and predicts the dependent variable values as a function of the independent variables. It can be a simple regression (with only one independent variable) or multivariate regression where multiple features are selected to predict the values of the explanatory variable.</a:t>
-            </a:r>
-          </a:p>
-          <a:p>
-            <a:pPr marL="0" indent="0">
-              <a:lnSpc>
-                <a:spcPct val="107000"/>
-              </a:lnSpc>
-              <a:spcAft>
-                <a:spcPts val="800"/>
-              </a:spcAft>
-              <a:buNone/>
-            </a:pPr>
+              <a:t>Linear regression (LR) is a statistical model which assesses the relationship between two variables and predicts the dependent variable values as a function of the independent variables. It can be a simple regression (with one independent variable) or multivariate regression where multiple features are selected to predict the values of the explanatory variable. Before doing the exploratory analysis of the dataset, I would brainstorm whether a logical correlation between the two variables exists in the first place</a:t>
+            </a:r>
             <a:r>
               <a:rPr lang="en-GB" sz="1300" dirty="0">
-                <a:effectLst/>
-                <a:latin typeface="Calibri" panose="020F0502020204030204" pitchFamily="34" charset="0"/>
-                <a:ea typeface="Calibri" panose="020F0502020204030204" pitchFamily="34" charset="0"/>
-                <a:cs typeface="Times New Roman" panose="02020603050405020304" pitchFamily="18" charset="0"/>
-              </a:rPr>
-              <a:t>Before jumping on the pre-processing and cleaning the dataset I would brainstorm whether a logical correlation between the two variables exists in the first place. </a:t>
-            </a:r>
+                <a:latin typeface="Calibri" panose="020F0502020204030204" pitchFamily="34" charset="0"/>
+                <a:ea typeface="Calibri" panose="020F0502020204030204" pitchFamily="34" charset="0"/>
+                <a:cs typeface="Times New Roman" panose="02020603050405020304" pitchFamily="18" charset="0"/>
+              </a:rPr>
+              <a:t> and then proceed with LR. If there </a:t>
+            </a:r>
+            <a:r>
+              <a:rPr lang="en-GB" sz="1300">
+                <a:latin typeface="Calibri" panose="020F0502020204030204" pitchFamily="34" charset="0"/>
+                <a:ea typeface="Calibri" panose="020F0502020204030204" pitchFamily="34" charset="0"/>
+                <a:cs typeface="Times New Roman" panose="02020603050405020304" pitchFamily="18" charset="0"/>
+              </a:rPr>
+              <a:t>is no correlation </a:t>
+            </a:r>
+            <a:r>
+              <a:rPr lang="en-GB" sz="1300" dirty="0">
+                <a:latin typeface="Calibri" panose="020F0502020204030204" pitchFamily="34" charset="0"/>
+                <a:ea typeface="Calibri" panose="020F0502020204030204" pitchFamily="34" charset="0"/>
+                <a:cs typeface="Times New Roman" panose="02020603050405020304" pitchFamily="18" charset="0"/>
+              </a:rPr>
+              <a:t>and logical linear dependence between the variables</a:t>
+            </a:r>
+            <a:r>
+              <a:rPr lang="en-GB" sz="1300">
+                <a:latin typeface="Calibri" panose="020F0502020204030204" pitchFamily="34" charset="0"/>
+                <a:ea typeface="Calibri" panose="020F0502020204030204" pitchFamily="34" charset="0"/>
+                <a:cs typeface="Times New Roman" panose="02020603050405020304" pitchFamily="18" charset="0"/>
+              </a:rPr>
+              <a:t>, perhaps, </a:t>
+            </a:r>
+            <a:r>
+              <a:rPr lang="en-GB" sz="1300" dirty="0">
+                <a:latin typeface="Calibri" panose="020F0502020204030204" pitchFamily="34" charset="0"/>
+                <a:ea typeface="Calibri" panose="020F0502020204030204" pitchFamily="34" charset="0"/>
+                <a:cs typeface="Times New Roman" panose="02020603050405020304" pitchFamily="18" charset="0"/>
+              </a:rPr>
+              <a:t>another machine learning model would be more suitable. </a:t>
+            </a:r>
+            <a:endParaRPr lang="en-GB" sz="1300" dirty="0">
+              <a:effectLst/>
+              <a:latin typeface="Calibri" panose="020F0502020204030204" pitchFamily="34" charset="0"/>
+              <a:ea typeface="Calibri" panose="020F0502020204030204" pitchFamily="34" charset="0"/>
+              <a:cs typeface="Times New Roman" panose="02020603050405020304" pitchFamily="18" charset="0"/>
+            </a:endParaRPr>
           </a:p>
           <a:p>
             <a:pPr marL="0" indent="0">
@@ -7552,7 +7761,7 @@
                 <a:ea typeface="Calibri" panose="020F0502020204030204" pitchFamily="34" charset="0"/>
                 <a:cs typeface="Times New Roman" panose="02020603050405020304" pitchFamily="18" charset="0"/>
               </a:rPr>
-              <a:t>It is a time-series data – each new entry is recorded with a time stamp </a:t>
+              <a:t>It is a time-series dataset – each new entry is recorded with a time stamp </a:t>
             </a:r>
           </a:p>
           <a:p>
@@ -7606,7 +7815,7 @@
                 <a:ea typeface="Calibri" panose="020F0502020204030204" pitchFamily="34" charset="0"/>
                 <a:cs typeface="Times New Roman" panose="02020603050405020304" pitchFamily="18" charset="0"/>
               </a:rPr>
-              <a:t>A supervised machine learning model can be applied data to forecast dependent variables (</a:t>
+              <a:t>A supervised machine learning model can be applied to forecast dependent variables (</a:t>
             </a:r>
             <a:r>
               <a:rPr lang="en-GB" sz="1400" dirty="0" err="1">
@@ -7678,7 +7887,24 @@
                 <a:ea typeface="Calibri" panose="020F0502020204030204" pitchFamily="34" charset="0"/>
                 <a:cs typeface="Times New Roman" panose="02020603050405020304" pitchFamily="18" charset="0"/>
               </a:rPr>
-              <a:t>There are 500k+ rows – even after cleaning the missing values this still will be considered a large dataset, hence, the machine learning prediction models will have good degree of accuracy and the conclusions made about purchasing trends and customers’ behaviour will also have high degree of certainty </a:t>
+              <a:t>There are 500k+ rows – even after cleaning the missing values this still will be considered a large dataset, hence, the machine learning prediction models may have good degree of accuracy and the conclusions made about purchasing trends and customers’ behaviour </a:t>
+            </a:r>
+            <a:r>
+              <a:rPr lang="en-GB" sz="1400" dirty="0">
+                <a:latin typeface="Calibri" panose="020F0502020204030204" pitchFamily="34" charset="0"/>
+                <a:ea typeface="Calibri" panose="020F0502020204030204" pitchFamily="34" charset="0"/>
+                <a:cs typeface="Times New Roman" panose="02020603050405020304" pitchFamily="18" charset="0"/>
+              </a:rPr>
+              <a:t>may</a:t>
+            </a:r>
+            <a:r>
+              <a:rPr lang="en-GB" sz="1400" dirty="0">
+                <a:effectLst/>
+                <a:latin typeface="Calibri" panose="020F0502020204030204" pitchFamily="34" charset="0"/>
+                <a:ea typeface="Calibri" panose="020F0502020204030204" pitchFamily="34" charset="0"/>
+                <a:cs typeface="Times New Roman" panose="02020603050405020304" pitchFamily="18" charset="0"/>
+              </a:rPr>
+              <a:t> also have high degree of certainty </a:t>
             </a:r>
           </a:p>
           <a:p>
@@ -7901,7 +8127,24 @@
                 <a:ea typeface="Calibri" panose="020F0502020204030204" pitchFamily="34" charset="0"/>
                 <a:cs typeface="Times New Roman" panose="02020603050405020304" pitchFamily="18" charset="0"/>
               </a:rPr>
-              <a:t>Before performing any analysis, I always spend some quality time looking at the data in Excel to better understand the content, data types, scroll down to find any immediate / easy to spot irregularities. If the dataset has more than 10 columns ther</a:t>
+              <a:t>Before performing any analysis, I always spend some quality time </a:t>
+            </a:r>
+            <a:r>
+              <a:rPr lang="en-GB" sz="1100" dirty="0">
+                <a:latin typeface="Calibri" panose="020F0502020204030204" pitchFamily="34" charset="0"/>
+                <a:ea typeface="Calibri" panose="020F0502020204030204" pitchFamily="34" charset="0"/>
+                <a:cs typeface="Times New Roman" panose="02020603050405020304" pitchFamily="18" charset="0"/>
+              </a:rPr>
+              <a:t>reading through </a:t>
+            </a:r>
+            <a:r>
+              <a:rPr lang="en-GB" sz="1100" dirty="0">
+                <a:effectLst/>
+                <a:latin typeface="Calibri" panose="020F0502020204030204" pitchFamily="34" charset="0"/>
+                <a:ea typeface="Calibri" panose="020F0502020204030204" pitchFamily="34" charset="0"/>
+                <a:cs typeface="Times New Roman" panose="02020603050405020304" pitchFamily="18" charset="0"/>
+              </a:rPr>
+              <a:t>the data in Excel to better understand the content, data types, scroll down to find any immediate / easy to spot irregularities. If the dataset has more than 10 columns ther</a:t>
             </a:r>
             <a:r>
               <a:rPr lang="en-GB" sz="1100" dirty="0">
@@ -7929,7 +8172,7 @@
                 <a:ea typeface="Calibri" panose="020F0502020204030204" pitchFamily="34" charset="0"/>
                 <a:cs typeface="Times New Roman" panose="02020603050405020304" pitchFamily="18" charset="0"/>
               </a:rPr>
-              <a:t>Moving onto Python, I loaded the xlsx file in a pandas </a:t>
+              <a:t>Moving onto Python, I loaded the csv file in a pandas </a:t>
             </a:r>
             <a:r>
               <a:rPr lang="en-GB" sz="1100" dirty="0" err="1">
@@ -8213,7 +8456,7 @@
                 <a:ea typeface="Calibri" panose="020F0502020204030204" pitchFamily="34" charset="0"/>
                 <a:cs typeface="Times New Roman" panose="02020603050405020304" pitchFamily="18" charset="0"/>
               </a:rPr>
-              <a:t> column. This is a must if you are going to perform machine learning classification or regression models and if you intend to visualise your data based grouping by </a:t>
+              <a:t> column. This is a must if you are going to perform machine learning classification or regression models and if you intend to visualise your data grouped by </a:t>
             </a:r>
             <a:r>
               <a:rPr lang="en-GB" sz="1100" dirty="0" err="1">
@@ -8256,7 +8499,24 @@
                 <a:ea typeface="Calibri" panose="020F0502020204030204" pitchFamily="34" charset="0"/>
                 <a:cs typeface="Times New Roman" panose="02020603050405020304" pitchFamily="18" charset="0"/>
               </a:rPr>
-              <a:t>The next step is to dive into the </a:t>
+              <a:t>The next step is to </a:t>
+            </a:r>
+            <a:r>
+              <a:rPr lang="en-GB" sz="1100" dirty="0">
+                <a:latin typeface="Calibri" panose="020F0502020204030204" pitchFamily="34" charset="0"/>
+                <a:ea typeface="Calibri" panose="020F0502020204030204" pitchFamily="34" charset="0"/>
+                <a:cs typeface="Times New Roman" panose="02020603050405020304" pitchFamily="18" charset="0"/>
+              </a:rPr>
+              <a:t>inspect</a:t>
+            </a:r>
+            <a:r>
+              <a:rPr lang="en-GB" sz="1100" dirty="0">
+                <a:effectLst/>
+                <a:latin typeface="Calibri" panose="020F0502020204030204" pitchFamily="34" charset="0"/>
+                <a:ea typeface="Calibri" panose="020F0502020204030204" pitchFamily="34" charset="0"/>
+                <a:cs typeface="Times New Roman" panose="02020603050405020304" pitchFamily="18" charset="0"/>
+              </a:rPr>
+              <a:t> the </a:t>
             </a:r>
             <a:r>
               <a:rPr lang="en-GB" sz="1100" dirty="0" err="1">
@@ -8889,12 +9149,14 @@
         </p:nvSpPr>
         <p:spPr>
           <a:xfrm>
-            <a:off x="1467828" y="2093403"/>
-            <a:ext cx="9601200" cy="2671194"/>
+            <a:off x="1467828" y="2093402"/>
+            <a:ext cx="9601200" cy="2898047"/>
           </a:xfrm>
         </p:spPr>
         <p:txBody>
-          <a:bodyPr/>
+          <a:bodyPr>
+            <a:normAutofit/>
+          </a:bodyPr>
           <a:lstStyle/>
           <a:p>
             <a:pPr marL="0" indent="0">
@@ -8907,13 +9169,13 @@
               <a:buNone/>
             </a:pPr>
             <a:r>
-              <a:rPr lang="en-GB" sz="1800" dirty="0">
-                <a:effectLst/>
-                <a:latin typeface="Calibri" panose="020F0502020204030204" pitchFamily="34" charset="0"/>
-                <a:ea typeface="Calibri" panose="020F0502020204030204" pitchFamily="34" charset="0"/>
-                <a:cs typeface="Times New Roman" panose="02020603050405020304" pitchFamily="18" charset="0"/>
-              </a:rPr>
-              <a:t>Let’s start by visualising basic business information – top 10 selling products, total weekly sales with an average value per week and a trendline, a pie chart with total sales breakdown on a monthly basis, and total sales per country. All of the above will come from the products database information. </a:t>
+              <a:rPr lang="en-GB" sz="1400" dirty="0">
+                <a:effectLst/>
+                <a:latin typeface="Calibri" panose="020F0502020204030204" pitchFamily="34" charset="0"/>
+                <a:ea typeface="Calibri" panose="020F0502020204030204" pitchFamily="34" charset="0"/>
+                <a:cs typeface="Times New Roman" panose="02020603050405020304" pitchFamily="18" charset="0"/>
+              </a:rPr>
+              <a:t>Let’s start by visualising basic business information – top 10 selling products, total weekly sales with an average value per week, a pie chart with total sales breakdown on a monthly basis, and total sales per country.</a:t>
             </a:r>
           </a:p>
           <a:p>
@@ -8927,14 +9189,53 @@
               <a:buNone/>
             </a:pPr>
             <a:r>
-              <a:rPr lang="en-GB" sz="1800" dirty="0">
-                <a:effectLst/>
-                <a:latin typeface="Calibri" panose="020F0502020204030204" pitchFamily="34" charset="0"/>
-                <a:ea typeface="Calibri" panose="020F0502020204030204" pitchFamily="34" charset="0"/>
-                <a:cs typeface="Times New Roman" panose="02020603050405020304" pitchFamily="18" charset="0"/>
-              </a:rPr>
-              <a:t>I will include a summary of all key findings in Question 5. </a:t>
-            </a:r>
+              <a:rPr lang="en-GB" sz="1400" dirty="0">
+                <a:latin typeface="Calibri" panose="020F0502020204030204" pitchFamily="34" charset="0"/>
+                <a:ea typeface="Calibri" panose="020F0502020204030204" pitchFamily="34" charset="0"/>
+                <a:cs typeface="Times New Roman" panose="02020603050405020304" pitchFamily="18" charset="0"/>
+              </a:rPr>
+              <a:t>These visualisations </a:t>
+            </a:r>
+            <a:r>
+              <a:rPr lang="en-GB" sz="1400" dirty="0">
+                <a:effectLst/>
+                <a:latin typeface="Calibri" panose="020F0502020204030204" pitchFamily="34" charset="0"/>
+                <a:ea typeface="Calibri" panose="020F0502020204030204" pitchFamily="34" charset="0"/>
+                <a:cs typeface="Times New Roman" panose="02020603050405020304" pitchFamily="18" charset="0"/>
+              </a:rPr>
+              <a:t>will come from the </a:t>
+            </a:r>
+            <a:r>
+              <a:rPr lang="en-GB" sz="1400" i="1" dirty="0" err="1">
+                <a:effectLst/>
+                <a:latin typeface="Calibri" panose="020F0502020204030204" pitchFamily="34" charset="0"/>
+                <a:ea typeface="Calibri" panose="020F0502020204030204" pitchFamily="34" charset="0"/>
+                <a:cs typeface="Times New Roman" panose="02020603050405020304" pitchFamily="18" charset="0"/>
+              </a:rPr>
+              <a:t>products_database</a:t>
+            </a:r>
+            <a:r>
+              <a:rPr lang="en-GB" sz="1400" i="1" dirty="0">
+                <a:latin typeface="Calibri" panose="020F0502020204030204" pitchFamily="34" charset="0"/>
+                <a:ea typeface="Calibri" panose="020F0502020204030204" pitchFamily="34" charset="0"/>
+                <a:cs typeface="Times New Roman" panose="02020603050405020304" pitchFamily="18" charset="0"/>
+              </a:rPr>
+              <a:t> </a:t>
+            </a:r>
+            <a:r>
+              <a:rPr lang="en-GB" sz="1400" dirty="0">
+                <a:latin typeface="Calibri" panose="020F0502020204030204" pitchFamily="34" charset="0"/>
+                <a:ea typeface="Calibri" panose="020F0502020204030204" pitchFamily="34" charset="0"/>
+                <a:cs typeface="Times New Roman" panose="02020603050405020304" pitchFamily="18" charset="0"/>
+              </a:rPr>
+              <a:t>and are created in Tableau. They may be created in Python as well but I strongly believe that Tableau has multiple advantages over Python when it comes to visualisations. Especially around saving time from not having to write long code for the graphs and dashboards, creating new features on the go and updating the dashboards with multiple layers of variables.</a:t>
+            </a:r>
+            <a:endParaRPr lang="en-GB" sz="1400" dirty="0">
+              <a:effectLst/>
+              <a:latin typeface="Calibri" panose="020F0502020204030204" pitchFamily="34" charset="0"/>
+              <a:ea typeface="Calibri" panose="020F0502020204030204" pitchFamily="34" charset="0"/>
+              <a:cs typeface="Times New Roman" panose="02020603050405020304" pitchFamily="18" charset="0"/>
+            </a:endParaRPr>
           </a:p>
           <a:p>
             <a:pPr marL="0" indent="0">
@@ -8947,21 +9248,38 @@
               <a:buNone/>
             </a:pPr>
             <a:r>
-              <a:rPr lang="en-GB" sz="1800" dirty="0">
-                <a:latin typeface="Calibri" panose="020F0502020204030204" pitchFamily="34" charset="0"/>
-                <a:ea typeface="Calibri" panose="020F0502020204030204" pitchFamily="34" charset="0"/>
-                <a:cs typeface="Times New Roman" panose="02020603050405020304" pitchFamily="18" charset="0"/>
-              </a:rPr>
-              <a:t>T</a:t>
-            </a:r>
-            <a:r>
-              <a:rPr lang="en-GB" sz="1800" dirty="0">
-                <a:effectLst/>
-                <a:latin typeface="Calibri" panose="020F0502020204030204" pitchFamily="34" charset="0"/>
-                <a:ea typeface="Calibri" panose="020F0502020204030204" pitchFamily="34" charset="0"/>
-                <a:cs typeface="Times New Roman" panose="02020603050405020304" pitchFamily="18" charset="0"/>
-              </a:rPr>
-              <a:t>he second step is to create visualisations for the Customer-focused database and perform the RFM analysis – the simplest assumption one can prove is the Pareto 80-20 rule. The assumption made is that 80% of the revenue comes from 20% of all customers. </a:t>
+              <a:rPr lang="en-GB" sz="1400" dirty="0">
+                <a:effectLst/>
+                <a:latin typeface="Calibri" panose="020F0502020204030204" pitchFamily="34" charset="0"/>
+                <a:ea typeface="Calibri" panose="020F0502020204030204" pitchFamily="34" charset="0"/>
+                <a:cs typeface="Times New Roman" panose="02020603050405020304" pitchFamily="18" charset="0"/>
+              </a:rPr>
+              <a:t>The second step is to create visualisations for the Customer-focused database with the corresponding dashboards. </a:t>
+            </a:r>
+            <a:endParaRPr lang="en-GB" sz="1400" dirty="0">
+              <a:latin typeface="Calibri" panose="020F0502020204030204" pitchFamily="34" charset="0"/>
+              <a:ea typeface="Calibri" panose="020F0502020204030204" pitchFamily="34" charset="0"/>
+              <a:cs typeface="Times New Roman" panose="02020603050405020304" pitchFamily="18" charset="0"/>
+            </a:endParaRPr>
+          </a:p>
+          <a:p>
+            <a:pPr marL="0" indent="0">
+              <a:lnSpc>
+                <a:spcPct val="107000"/>
+              </a:lnSpc>
+              <a:spcAft>
+                <a:spcPts val="800"/>
+              </a:spcAft>
+              <a:buNone/>
+            </a:pPr>
+            <a:r>
+              <a:rPr lang="en-GB" sz="1400" dirty="0">
+                <a:effectLst/>
+                <a:latin typeface="Calibri" panose="020F0502020204030204" pitchFamily="34" charset="0"/>
+                <a:ea typeface="Calibri" panose="020F0502020204030204" pitchFamily="34" charset="0"/>
+                <a:cs typeface="Times New Roman" panose="02020603050405020304" pitchFamily="18" charset="0"/>
+              </a:rPr>
+              <a:t>I will include a summary of all key findings in Question 5. </a:t>
             </a:r>
           </a:p>
         </p:txBody>
